--- a/Lesson 3/Unitec - Xcode & Debugging (Lesson 3).pptx
+++ b/Lesson 3/Unitec - Xcode & Debugging (Lesson 3).pptx
@@ -6,11 +6,13 @@
     <p:sldMasterId id="2147483661" r:id="rId2"/>
   </p:sldMasterIdLst>
   <p:notesMasterIdLst>
-    <p:notesMasterId r:id="rId5"/>
+    <p:notesMasterId r:id="rId7"/>
   </p:notesMasterIdLst>
   <p:sldIdLst>
     <p:sldId id="256" r:id="rId3"/>
     <p:sldId id="258" r:id="rId4"/>
+    <p:sldId id="259" r:id="rId5"/>
+    <p:sldId id="260" r:id="rId6"/>
   </p:sldIdLst>
   <p:sldSz cx="12192000" cy="6858000"/>
   <p:notesSz cx="6858000" cy="9144000"/>
@@ -1748,19 +1750,7 @@
                 <a:cs typeface="Calibri"/>
                 <a:sym typeface="Calibri"/>
               </a:rPr>
-              <a:t>Utility area - Add components and information about your </a:t>
-            </a:r>
-            <a:r>
-              <a:rPr lang="en-US" sz="1200" b="0" i="0" u="none" strike="noStrike" cap="none">
-                <a:solidFill>
-                  <a:schemeClr val="dk1"/>
-                </a:solidFill>
-                <a:latin typeface="Calibri"/>
-                <a:ea typeface="Calibri"/>
-                <a:cs typeface="Calibri"/>
-                <a:sym typeface="Calibri"/>
-              </a:rPr>
-              <a:t>view controller. </a:t>
+              <a:t>Utility area - Add components and information about your view controller. </a:t>
             </a:r>
             <a:endParaRPr sz="1200" b="0" i="0" u="none" strike="noStrike" cap="none" dirty="0">
               <a:solidFill>
@@ -1837,6 +1827,447 @@
         </p:txBody>
       </p:sp>
     </p:spTree>
+  </p:cSld>
+  <p:clrMapOvr>
+    <a:masterClrMapping/>
+  </p:clrMapOvr>
+</p:notes>
+</file>
+
+<file path=ppt/notesSlides/notesSlide3.xml><?xml version="1.0" encoding="utf-8"?>
+<p:notes xmlns:a="http://schemas.openxmlformats.org/drawingml/2006/main" xmlns:r="http://schemas.openxmlformats.org/officeDocument/2006/relationships" xmlns:p="http://schemas.openxmlformats.org/presentationml/2006/main" showMasterSp="0" showMasterPhAnim="0">
+  <p:cSld>
+    <p:spTree>
+      <p:nvGrpSpPr>
+        <p:cNvPr id="1" name="Shape 117"/>
+        <p:cNvGrpSpPr/>
+        <p:nvPr/>
+      </p:nvGrpSpPr>
+      <p:grpSpPr>
+        <a:xfrm>
+          <a:off x="0" y="0"/>
+          <a:ext cx="0" cy="0"/>
+          <a:chOff x="0" y="0"/>
+          <a:chExt cx="0" cy="0"/>
+        </a:xfrm>
+      </p:grpSpPr>
+      <p:sp>
+        <p:nvSpPr>
+          <p:cNvPr id="118" name="Google Shape;118;p3:notes"/>
+          <p:cNvSpPr>
+            <a:spLocks noGrp="1" noRot="1" noChangeAspect="1"/>
+          </p:cNvSpPr>
+          <p:nvPr>
+            <p:ph type="sldImg" idx="2"/>
+          </p:nvPr>
+        </p:nvSpPr>
+        <p:spPr>
+          <a:xfrm>
+            <a:off x="685800" y="1143000"/>
+            <a:ext cx="5486400" cy="3086100"/>
+          </a:xfrm>
+          <a:custGeom>
+            <a:avLst/>
+            <a:gdLst/>
+            <a:ahLst/>
+            <a:cxnLst/>
+            <a:rect l="l" t="t" r="r" b="b"/>
+            <a:pathLst>
+              <a:path w="120000" h="120000" extrusionOk="0">
+                <a:moveTo>
+                  <a:pt x="0" y="0"/>
+                </a:moveTo>
+                <a:lnTo>
+                  <a:pt x="120000" y="0"/>
+                </a:lnTo>
+                <a:lnTo>
+                  <a:pt x="120000" y="120000"/>
+                </a:lnTo>
+                <a:lnTo>
+                  <a:pt x="0" y="120000"/>
+                </a:lnTo>
+                <a:close/>
+              </a:path>
+            </a:pathLst>
+          </a:custGeom>
+          <a:noFill/>
+          <a:ln w="12700" cap="flat" cmpd="sng">
+            <a:solidFill>
+              <a:srgbClr val="000000"/>
+            </a:solidFill>
+            <a:prstDash val="solid"/>
+            <a:round/>
+            <a:headEnd type="none" w="sm" len="sm"/>
+            <a:tailEnd type="none" w="sm" len="sm"/>
+          </a:ln>
+        </p:spPr>
+      </p:sp>
+      <p:sp>
+        <p:nvSpPr>
+          <p:cNvPr id="119" name="Google Shape;119;p3:notes"/>
+          <p:cNvSpPr txBox="1">
+            <a:spLocks noGrp="1"/>
+          </p:cNvSpPr>
+          <p:nvPr>
+            <p:ph type="body" idx="1"/>
+          </p:nvPr>
+        </p:nvSpPr>
+        <p:spPr>
+          <a:xfrm>
+            <a:off x="685800" y="4400550"/>
+            <a:ext cx="5486400" cy="3600450"/>
+          </a:xfrm>
+          <a:prstGeom prst="rect">
+            <a:avLst/>
+          </a:prstGeom>
+          <a:noFill/>
+          <a:ln>
+            <a:noFill/>
+          </a:ln>
+        </p:spPr>
+        <p:txBody>
+          <a:bodyPr spcFirstLastPara="1" wrap="square" lIns="91425" tIns="45700" rIns="91425" bIns="45700" anchor="t" anchorCtr="0">
+            <a:noAutofit/>
+          </a:bodyPr>
+          <a:lstStyle/>
+          <a:p>
+            <a:pPr marL="0" marR="0" lvl="0" indent="0" algn="l" rtl="0">
+              <a:spcBef>
+                <a:spcPts val="0"/>
+              </a:spcBef>
+              <a:spcAft>
+                <a:spcPts val="0"/>
+              </a:spcAft>
+              <a:buNone/>
+            </a:pPr>
+            <a:r>
+              <a:rPr lang="en-US" sz="1200" b="0" i="0" u="none" strike="noStrike" cap="none" dirty="0">
+                <a:solidFill>
+                  <a:schemeClr val="dk1"/>
+                </a:solidFill>
+                <a:latin typeface="Calibri"/>
+                <a:ea typeface="Calibri"/>
+                <a:cs typeface="Calibri"/>
+                <a:sym typeface="Calibri"/>
+              </a:rPr>
+              <a:t>Warning’s don’t prevent your code from running, think of a switch case scenario you saw last week. We had a fixed input and it threw a warning but we were still able to see the result. For example:  </a:t>
+            </a:r>
+          </a:p>
+          <a:p>
+            <a:pPr marL="0" marR="0" lvl="0" indent="0" algn="l" rtl="0">
+              <a:spcBef>
+                <a:spcPts val="0"/>
+              </a:spcBef>
+              <a:spcAft>
+                <a:spcPts val="0"/>
+              </a:spcAft>
+              <a:buNone/>
+            </a:pPr>
+            <a:endParaRPr lang="en-US" sz="1200" b="0" i="0" u="none" strike="noStrike" cap="none" dirty="0">
+              <a:solidFill>
+                <a:schemeClr val="dk1"/>
+              </a:solidFill>
+              <a:latin typeface="Calibri"/>
+              <a:ea typeface="Calibri"/>
+              <a:cs typeface="Calibri"/>
+              <a:sym typeface="Calibri"/>
+            </a:endParaRPr>
+          </a:p>
+          <a:p>
+            <a:pPr marL="0" marR="0" lvl="0" indent="0" algn="l" rtl="0">
+              <a:spcBef>
+                <a:spcPts val="0"/>
+              </a:spcBef>
+              <a:spcAft>
+                <a:spcPts val="0"/>
+              </a:spcAft>
+              <a:buNone/>
+            </a:pPr>
+            <a:endParaRPr sz="1200" b="0" i="0" u="none" strike="noStrike" cap="none" dirty="0">
+              <a:solidFill>
+                <a:schemeClr val="dk1"/>
+              </a:solidFill>
+              <a:latin typeface="Calibri"/>
+              <a:ea typeface="Calibri"/>
+              <a:cs typeface="Calibri"/>
+              <a:sym typeface="Calibri"/>
+            </a:endParaRPr>
+          </a:p>
+        </p:txBody>
+      </p:sp>
+      <p:sp>
+        <p:nvSpPr>
+          <p:cNvPr id="120" name="Google Shape;120;p3:notes"/>
+          <p:cNvSpPr txBox="1">
+            <a:spLocks noGrp="1"/>
+          </p:cNvSpPr>
+          <p:nvPr>
+            <p:ph type="sldNum" idx="12"/>
+          </p:nvPr>
+        </p:nvSpPr>
+        <p:spPr>
+          <a:xfrm>
+            <a:off x="3884613" y="8685213"/>
+            <a:ext cx="2971800" cy="458787"/>
+          </a:xfrm>
+          <a:prstGeom prst="rect">
+            <a:avLst/>
+          </a:prstGeom>
+          <a:noFill/>
+          <a:ln>
+            <a:noFill/>
+          </a:ln>
+        </p:spPr>
+        <p:txBody>
+          <a:bodyPr spcFirstLastPara="1" wrap="square" lIns="91425" tIns="45700" rIns="91425" bIns="45700" anchor="b" anchorCtr="0">
+            <a:noAutofit/>
+          </a:bodyPr>
+          <a:lstStyle/>
+          <a:p>
+            <a:pPr marL="0" marR="0" lvl="0" indent="0" algn="r" rtl="0">
+              <a:spcBef>
+                <a:spcPts val="0"/>
+              </a:spcBef>
+              <a:spcAft>
+                <a:spcPts val="0"/>
+              </a:spcAft>
+              <a:buNone/>
+            </a:pPr>
+            <a:fld id="{00000000-1234-1234-1234-123412341234}" type="slidenum">
+              <a:rPr lang="en-US" sz="1200" b="0" i="0" u="none" strike="noStrike" cap="none">
+                <a:solidFill>
+                  <a:schemeClr val="dk1"/>
+                </a:solidFill>
+                <a:latin typeface="Calibri"/>
+                <a:ea typeface="Calibri"/>
+                <a:cs typeface="Calibri"/>
+                <a:sym typeface="Calibri"/>
+              </a:rPr>
+              <a:t>3</a:t>
+            </a:fld>
+            <a:endParaRPr sz="1200" b="0" i="0" u="none" strike="noStrike" cap="none">
+              <a:solidFill>
+                <a:schemeClr val="dk1"/>
+              </a:solidFill>
+              <a:latin typeface="Calibri"/>
+              <a:ea typeface="Calibri"/>
+              <a:cs typeface="Calibri"/>
+              <a:sym typeface="Calibri"/>
+            </a:endParaRPr>
+          </a:p>
+        </p:txBody>
+      </p:sp>
+    </p:spTree>
+    <p:extLst>
+      <p:ext uri="{BB962C8B-B14F-4D97-AF65-F5344CB8AC3E}">
+        <p14:creationId xmlns:p14="http://schemas.microsoft.com/office/powerpoint/2010/main" val="2967048159"/>
+      </p:ext>
+    </p:extLst>
+  </p:cSld>
+  <p:clrMapOvr>
+    <a:masterClrMapping/>
+  </p:clrMapOvr>
+</p:notes>
+</file>
+
+<file path=ppt/notesSlides/notesSlide4.xml><?xml version="1.0" encoding="utf-8"?>
+<p:notes xmlns:a="http://schemas.openxmlformats.org/drawingml/2006/main" xmlns:r="http://schemas.openxmlformats.org/officeDocument/2006/relationships" xmlns:p="http://schemas.openxmlformats.org/presentationml/2006/main" showMasterSp="0" showMasterPhAnim="0">
+  <p:cSld>
+    <p:spTree>
+      <p:nvGrpSpPr>
+        <p:cNvPr id="1" name="Shape 117"/>
+        <p:cNvGrpSpPr/>
+        <p:nvPr/>
+      </p:nvGrpSpPr>
+      <p:grpSpPr>
+        <a:xfrm>
+          <a:off x="0" y="0"/>
+          <a:ext cx="0" cy="0"/>
+          <a:chOff x="0" y="0"/>
+          <a:chExt cx="0" cy="0"/>
+        </a:xfrm>
+      </p:grpSpPr>
+      <p:sp>
+        <p:nvSpPr>
+          <p:cNvPr id="118" name="Google Shape;118;p3:notes"/>
+          <p:cNvSpPr>
+            <a:spLocks noGrp="1" noRot="1" noChangeAspect="1"/>
+          </p:cNvSpPr>
+          <p:nvPr>
+            <p:ph type="sldImg" idx="2"/>
+          </p:nvPr>
+        </p:nvSpPr>
+        <p:spPr>
+          <a:xfrm>
+            <a:off x="685800" y="1143000"/>
+            <a:ext cx="5486400" cy="3086100"/>
+          </a:xfrm>
+          <a:custGeom>
+            <a:avLst/>
+            <a:gdLst/>
+            <a:ahLst/>
+            <a:cxnLst/>
+            <a:rect l="l" t="t" r="r" b="b"/>
+            <a:pathLst>
+              <a:path w="120000" h="120000" extrusionOk="0">
+                <a:moveTo>
+                  <a:pt x="0" y="0"/>
+                </a:moveTo>
+                <a:lnTo>
+                  <a:pt x="120000" y="0"/>
+                </a:lnTo>
+                <a:lnTo>
+                  <a:pt x="120000" y="120000"/>
+                </a:lnTo>
+                <a:lnTo>
+                  <a:pt x="0" y="120000"/>
+                </a:lnTo>
+                <a:close/>
+              </a:path>
+            </a:pathLst>
+          </a:custGeom>
+          <a:noFill/>
+          <a:ln w="12700" cap="flat" cmpd="sng">
+            <a:solidFill>
+              <a:srgbClr val="000000"/>
+            </a:solidFill>
+            <a:prstDash val="solid"/>
+            <a:round/>
+            <a:headEnd type="none" w="sm" len="sm"/>
+            <a:tailEnd type="none" w="sm" len="sm"/>
+          </a:ln>
+        </p:spPr>
+      </p:sp>
+      <p:sp>
+        <p:nvSpPr>
+          <p:cNvPr id="119" name="Google Shape;119;p3:notes"/>
+          <p:cNvSpPr txBox="1">
+            <a:spLocks noGrp="1"/>
+          </p:cNvSpPr>
+          <p:nvPr>
+            <p:ph type="body" idx="1"/>
+          </p:nvPr>
+        </p:nvSpPr>
+        <p:spPr>
+          <a:xfrm>
+            <a:off x="685800" y="4400550"/>
+            <a:ext cx="5486400" cy="3600450"/>
+          </a:xfrm>
+          <a:prstGeom prst="rect">
+            <a:avLst/>
+          </a:prstGeom>
+          <a:noFill/>
+          <a:ln>
+            <a:noFill/>
+          </a:ln>
+        </p:spPr>
+        <p:txBody>
+          <a:bodyPr spcFirstLastPara="1" wrap="square" lIns="91425" tIns="45700" rIns="91425" bIns="45700" anchor="t" anchorCtr="0">
+            <a:noAutofit/>
+          </a:bodyPr>
+          <a:lstStyle/>
+          <a:p>
+            <a:pPr marL="0" marR="0" lvl="0" indent="0" algn="l" rtl="0">
+              <a:spcBef>
+                <a:spcPts val="0"/>
+              </a:spcBef>
+              <a:spcAft>
+                <a:spcPts val="0"/>
+              </a:spcAft>
+              <a:buNone/>
+            </a:pPr>
+            <a:r>
+              <a:rPr lang="en-US" sz="1200" b="0" i="0" u="none" strike="noStrike" cap="none" dirty="0">
+                <a:solidFill>
+                  <a:schemeClr val="dk1"/>
+                </a:solidFill>
+                <a:latin typeface="Calibri"/>
+                <a:ea typeface="Calibri"/>
+                <a:cs typeface="Calibri"/>
+                <a:sym typeface="Calibri"/>
+              </a:rPr>
+              <a:t>When most people here bugs, or debugging for the first time this might be what they are thinking of!  But it’s far less physical than that. </a:t>
+            </a:r>
+            <a:endParaRPr sz="1200" b="0" i="0" u="none" strike="noStrike" cap="none" dirty="0">
+              <a:solidFill>
+                <a:schemeClr val="dk1"/>
+              </a:solidFill>
+              <a:latin typeface="Calibri"/>
+              <a:ea typeface="Calibri"/>
+              <a:cs typeface="Calibri"/>
+              <a:sym typeface="Calibri"/>
+            </a:endParaRPr>
+          </a:p>
+        </p:txBody>
+      </p:sp>
+      <p:sp>
+        <p:nvSpPr>
+          <p:cNvPr id="120" name="Google Shape;120;p3:notes"/>
+          <p:cNvSpPr txBox="1">
+            <a:spLocks noGrp="1"/>
+          </p:cNvSpPr>
+          <p:nvPr>
+            <p:ph type="sldNum" idx="12"/>
+          </p:nvPr>
+        </p:nvSpPr>
+        <p:spPr>
+          <a:xfrm>
+            <a:off x="3884613" y="8685213"/>
+            <a:ext cx="2971800" cy="458787"/>
+          </a:xfrm>
+          <a:prstGeom prst="rect">
+            <a:avLst/>
+          </a:prstGeom>
+          <a:noFill/>
+          <a:ln>
+            <a:noFill/>
+          </a:ln>
+        </p:spPr>
+        <p:txBody>
+          <a:bodyPr spcFirstLastPara="1" wrap="square" lIns="91425" tIns="45700" rIns="91425" bIns="45700" anchor="b" anchorCtr="0">
+            <a:noAutofit/>
+          </a:bodyPr>
+          <a:lstStyle/>
+          <a:p>
+            <a:pPr marL="0" marR="0" lvl="0" indent="0" algn="r" rtl="0">
+              <a:spcBef>
+                <a:spcPts val="0"/>
+              </a:spcBef>
+              <a:spcAft>
+                <a:spcPts val="0"/>
+              </a:spcAft>
+              <a:buNone/>
+            </a:pPr>
+            <a:fld id="{00000000-1234-1234-1234-123412341234}" type="slidenum">
+              <a:rPr lang="en-US" sz="1200" b="0" i="0" u="none" strike="noStrike" cap="none">
+                <a:solidFill>
+                  <a:schemeClr val="dk1"/>
+                </a:solidFill>
+                <a:latin typeface="Calibri"/>
+                <a:ea typeface="Calibri"/>
+                <a:cs typeface="Calibri"/>
+                <a:sym typeface="Calibri"/>
+              </a:rPr>
+              <a:t>4</a:t>
+            </a:fld>
+            <a:endParaRPr sz="1200" b="0" i="0" u="none" strike="noStrike" cap="none">
+              <a:solidFill>
+                <a:schemeClr val="dk1"/>
+              </a:solidFill>
+              <a:latin typeface="Calibri"/>
+              <a:ea typeface="Calibri"/>
+              <a:cs typeface="Calibri"/>
+              <a:sym typeface="Calibri"/>
+            </a:endParaRPr>
+          </a:p>
+        </p:txBody>
+      </p:sp>
+    </p:spTree>
+    <p:extLst>
+      <p:ext uri="{BB962C8B-B14F-4D97-AF65-F5344CB8AC3E}">
+        <p14:creationId xmlns:p14="http://schemas.microsoft.com/office/powerpoint/2010/main" val="1338518991"/>
+      </p:ext>
+    </p:extLst>
   </p:cSld>
   <p:clrMapOvr>
     <a:masterClrMapping/>
@@ -19387,6 +19818,222 @@
         </p:spPr>
       </p:pic>
     </p:spTree>
+  </p:cSld>
+  <p:clrMapOvr>
+    <a:masterClrMapping/>
+  </p:clrMapOvr>
+</p:sld>
+</file>
+
+<file path=ppt/slides/slide3.xml><?xml version="1.0" encoding="utf-8"?>
+<p:sld xmlns:a="http://schemas.openxmlformats.org/drawingml/2006/main" xmlns:r="http://schemas.openxmlformats.org/officeDocument/2006/relationships" xmlns:p="http://schemas.openxmlformats.org/presentationml/2006/main">
+  <p:cSld>
+    <p:bg>
+      <p:bgPr>
+        <a:solidFill>
+          <a:schemeClr val="lt1"/>
+        </a:solidFill>
+        <a:effectLst/>
+      </p:bgPr>
+    </p:bg>
+    <p:spTree>
+      <p:nvGrpSpPr>
+        <p:cNvPr id="1" name="Shape 121"/>
+        <p:cNvGrpSpPr/>
+        <p:nvPr/>
+      </p:nvGrpSpPr>
+      <p:grpSpPr>
+        <a:xfrm>
+          <a:off x="0" y="0"/>
+          <a:ext cx="0" cy="0"/>
+          <a:chOff x="0" y="0"/>
+          <a:chExt cx="0" cy="0"/>
+        </a:xfrm>
+      </p:grpSpPr>
+      <p:sp>
+        <p:nvSpPr>
+          <p:cNvPr id="122" name="Google Shape;122;p17"/>
+          <p:cNvSpPr/>
+          <p:nvPr/>
+        </p:nvSpPr>
+        <p:spPr>
+          <a:xfrm>
+            <a:off x="321564" y="320040"/>
+            <a:ext cx="11548800" cy="6217800"/>
+          </a:xfrm>
+          <a:prstGeom prst="rect">
+            <a:avLst/>
+          </a:prstGeom>
+          <a:solidFill>
+            <a:schemeClr val="dk1">
+              <a:alpha val="7840"/>
+            </a:schemeClr>
+          </a:solidFill>
+          <a:ln>
+            <a:noFill/>
+          </a:ln>
+        </p:spPr>
+        <p:txBody>
+          <a:bodyPr spcFirstLastPara="1" wrap="square" lIns="91425" tIns="45700" rIns="91425" bIns="45700" anchor="ctr" anchorCtr="0">
+            <a:noAutofit/>
+          </a:bodyPr>
+          <a:lstStyle/>
+          <a:p>
+            <a:pPr marL="0" marR="0" lvl="0" indent="0" algn="ctr" rtl="0">
+              <a:spcBef>
+                <a:spcPts val="0"/>
+              </a:spcBef>
+              <a:spcAft>
+                <a:spcPts val="0"/>
+              </a:spcAft>
+              <a:buNone/>
+            </a:pPr>
+            <a:endParaRPr sz="1800" b="0" i="0" u="none" strike="noStrike" cap="none">
+              <a:solidFill>
+                <a:schemeClr val="lt1"/>
+              </a:solidFill>
+              <a:latin typeface="Calibri"/>
+              <a:ea typeface="Calibri"/>
+              <a:cs typeface="Calibri"/>
+              <a:sym typeface="Calibri"/>
+            </a:endParaRPr>
+          </a:p>
+        </p:txBody>
+      </p:sp>
+      <p:pic>
+        <p:nvPicPr>
+          <p:cNvPr id="2" name="Picture 1">
+            <a:extLst>
+              <a:ext uri="{FF2B5EF4-FFF2-40B4-BE49-F238E27FC236}">
+                <a16:creationId xmlns:a16="http://schemas.microsoft.com/office/drawing/2014/main" id="{B0866F90-F8EA-E245-8096-528CF5607991}"/>
+              </a:ext>
+            </a:extLst>
+          </p:cNvPr>
+          <p:cNvPicPr>
+            <a:picLocks noChangeAspect="1"/>
+          </p:cNvPicPr>
+          <p:nvPr/>
+        </p:nvPicPr>
+        <p:blipFill>
+          <a:blip r:embed="rId3"/>
+          <a:stretch>
+            <a:fillRect/>
+          </a:stretch>
+        </p:blipFill>
+        <p:spPr>
+          <a:xfrm>
+            <a:off x="1823651" y="1714500"/>
+            <a:ext cx="3429000" cy="3429000"/>
+          </a:xfrm>
+          <a:prstGeom prst="rect">
+            <a:avLst/>
+          </a:prstGeom>
+        </p:spPr>
+      </p:pic>
+      <p:pic>
+        <p:nvPicPr>
+          <p:cNvPr id="4" name="Picture 3">
+            <a:extLst>
+              <a:ext uri="{FF2B5EF4-FFF2-40B4-BE49-F238E27FC236}">
+                <a16:creationId xmlns:a16="http://schemas.microsoft.com/office/drawing/2014/main" id="{8A988020-2848-0F4D-B873-279EA28F2A59}"/>
+              </a:ext>
+            </a:extLst>
+          </p:cNvPr>
+          <p:cNvPicPr>
+            <a:picLocks noChangeAspect="1"/>
+          </p:cNvPicPr>
+          <p:nvPr/>
+        </p:nvPicPr>
+        <p:blipFill>
+          <a:blip r:embed="rId4"/>
+          <a:stretch>
+            <a:fillRect/>
+          </a:stretch>
+        </p:blipFill>
+        <p:spPr>
+          <a:xfrm>
+            <a:off x="6681735" y="1549168"/>
+            <a:ext cx="3759544" cy="3759544"/>
+          </a:xfrm>
+          <a:prstGeom prst="rect">
+            <a:avLst/>
+          </a:prstGeom>
+        </p:spPr>
+      </p:pic>
+    </p:spTree>
+    <p:extLst>
+      <p:ext uri="{BB962C8B-B14F-4D97-AF65-F5344CB8AC3E}">
+        <p14:creationId xmlns:p14="http://schemas.microsoft.com/office/powerpoint/2010/main" val="701464239"/>
+      </p:ext>
+    </p:extLst>
+  </p:cSld>
+  <p:clrMapOvr>
+    <a:masterClrMapping/>
+  </p:clrMapOvr>
+</p:sld>
+</file>
+
+<file path=ppt/slides/slide4.xml><?xml version="1.0" encoding="utf-8"?>
+<p:sld xmlns:a="http://schemas.openxmlformats.org/drawingml/2006/main" xmlns:r="http://schemas.openxmlformats.org/officeDocument/2006/relationships" xmlns:p="http://schemas.openxmlformats.org/presentationml/2006/main">
+  <p:cSld>
+    <p:bg>
+      <p:bgPr>
+        <a:solidFill>
+          <a:schemeClr val="lt1"/>
+        </a:solidFill>
+        <a:effectLst/>
+      </p:bgPr>
+    </p:bg>
+    <p:spTree>
+      <p:nvGrpSpPr>
+        <p:cNvPr id="1" name="Shape 121"/>
+        <p:cNvGrpSpPr/>
+        <p:nvPr/>
+      </p:nvGrpSpPr>
+      <p:grpSpPr>
+        <a:xfrm>
+          <a:off x="0" y="0"/>
+          <a:ext cx="0" cy="0"/>
+          <a:chOff x="0" y="0"/>
+          <a:chExt cx="0" cy="0"/>
+        </a:xfrm>
+      </p:grpSpPr>
+      <p:pic>
+        <p:nvPicPr>
+          <p:cNvPr id="3" name="Picture 2">
+            <a:extLst>
+              <a:ext uri="{FF2B5EF4-FFF2-40B4-BE49-F238E27FC236}">
+                <a16:creationId xmlns:a16="http://schemas.microsoft.com/office/drawing/2014/main" id="{EB16C0D5-F636-1D4E-858F-E2DAF401F830}"/>
+              </a:ext>
+            </a:extLst>
+          </p:cNvPr>
+          <p:cNvPicPr>
+            <a:picLocks noChangeAspect="1"/>
+          </p:cNvPicPr>
+          <p:nvPr/>
+        </p:nvPicPr>
+        <p:blipFill>
+          <a:blip r:embed="rId3"/>
+          <a:stretch>
+            <a:fillRect/>
+          </a:stretch>
+        </p:blipFill>
+        <p:spPr>
+          <a:xfrm>
+            <a:off x="0" y="308919"/>
+            <a:ext cx="12128246" cy="6203092"/>
+          </a:xfrm>
+          <a:prstGeom prst="rect">
+            <a:avLst/>
+          </a:prstGeom>
+        </p:spPr>
+      </p:pic>
+    </p:spTree>
+    <p:extLst>
+      <p:ext uri="{BB962C8B-B14F-4D97-AF65-F5344CB8AC3E}">
+        <p14:creationId xmlns:p14="http://schemas.microsoft.com/office/powerpoint/2010/main" val="2405388590"/>
+      </p:ext>
+    </p:extLst>
   </p:cSld>
   <p:clrMapOvr>
     <a:masterClrMapping/>
